--- a/修論/本文/figure/fig_3_1_10QW_broadcontact_IL.pptx
+++ b/修論/本文/figure/fig_3_1_10QW_broadcontact_IL.pptx
@@ -3669,8 +3669,38 @@
         </p:blipFill>
         <p:spPr>
           <a:xfrm>
-            <a:off x="816540" y="1700815"/>
+            <a:off x="816540" y="1686645"/>
             <a:ext cx="4688740" cy="3513051"/>
+          </a:xfrm>
+          <a:prstGeom prst="rect">
+            <a:avLst/>
+          </a:prstGeom>
+        </p:spPr>
+      </p:pic>
+      <p:pic>
+        <p:nvPicPr>
+          <p:cNvPr id="2" name="図 1">
+            <a:extLst>
+              <a:ext uri="{FF2B5EF4-FFF2-40B4-BE49-F238E27FC236}">
+                <a16:creationId xmlns:a16="http://schemas.microsoft.com/office/drawing/2014/main" id="{3C3A1B7F-CA93-4A9B-821A-12B850C7B017}"/>
+              </a:ext>
+            </a:extLst>
+          </p:cNvPr>
+          <p:cNvPicPr>
+            <a:picLocks noChangeAspect="1"/>
+          </p:cNvPicPr>
+          <p:nvPr/>
+        </p:nvPicPr>
+        <p:blipFill>
+          <a:blip r:embed="rId3"/>
+          <a:stretch>
+            <a:fillRect/>
+          </a:stretch>
+        </p:blipFill>
+        <p:spPr>
+          <a:xfrm>
+            <a:off x="6096000" y="1686645"/>
+            <a:ext cx="4585054" cy="3513051"/>
           </a:xfrm>
           <a:prstGeom prst="rect">
             <a:avLst/>

--- a/修論/本文/figure/fig_3_1_10QW_broadcontact_IL.pptx
+++ b/修論/本文/figure/fig_3_1_10QW_broadcontact_IL.pptx
@@ -270,7 +270,7 @@
           <a:p>
             <a:fld id="{7B2C231C-A4B7-694E-AAA8-A398016C186A}" type="datetimeFigureOut">
               <a:rPr kumimoji="1" lang="ja-JP" altLang="en-US" smtClean="0"/>
-              <a:t>2018/12/17</a:t>
+              <a:t>2018/12/18</a:t>
             </a:fld>
             <a:endParaRPr kumimoji="1" lang="ja-JP" altLang="en-US"/>
           </a:p>
@@ -475,7 +475,7 @@
           <a:p>
             <a:fld id="{7B2C231C-A4B7-694E-AAA8-A398016C186A}" type="datetimeFigureOut">
               <a:rPr kumimoji="1" lang="ja-JP" altLang="en-US" smtClean="0"/>
-              <a:t>2018/12/17</a:t>
+              <a:t>2018/12/18</a:t>
             </a:fld>
             <a:endParaRPr kumimoji="1" lang="ja-JP" altLang="en-US"/>
           </a:p>
@@ -690,7 +690,7 @@
           <a:p>
             <a:fld id="{7B2C231C-A4B7-694E-AAA8-A398016C186A}" type="datetimeFigureOut">
               <a:rPr kumimoji="1" lang="ja-JP" altLang="en-US" smtClean="0"/>
-              <a:t>2018/12/17</a:t>
+              <a:t>2018/12/18</a:t>
             </a:fld>
             <a:endParaRPr kumimoji="1" lang="ja-JP" altLang="en-US"/>
           </a:p>
@@ -895,7 +895,7 @@
           <a:p>
             <a:fld id="{7B2C231C-A4B7-694E-AAA8-A398016C186A}" type="datetimeFigureOut">
               <a:rPr kumimoji="1" lang="ja-JP" altLang="en-US" smtClean="0"/>
-              <a:t>2018/12/17</a:t>
+              <a:t>2018/12/18</a:t>
             </a:fld>
             <a:endParaRPr kumimoji="1" lang="ja-JP" altLang="en-US"/>
           </a:p>
@@ -1205,7 +1205,7 @@
           <a:p>
             <a:fld id="{7B2C231C-A4B7-694E-AAA8-A398016C186A}" type="datetimeFigureOut">
               <a:rPr kumimoji="1" lang="ja-JP" altLang="en-US" smtClean="0"/>
-              <a:t>2018/12/17</a:t>
+              <a:t>2018/12/18</a:t>
             </a:fld>
             <a:endParaRPr kumimoji="1" lang="ja-JP" altLang="en-US"/>
           </a:p>
@@ -1484,7 +1484,7 @@
           <a:p>
             <a:fld id="{7B2C231C-A4B7-694E-AAA8-A398016C186A}" type="datetimeFigureOut">
               <a:rPr kumimoji="1" lang="ja-JP" altLang="en-US" smtClean="0"/>
-              <a:t>2018/12/17</a:t>
+              <a:t>2018/12/18</a:t>
             </a:fld>
             <a:endParaRPr kumimoji="1" lang="ja-JP" altLang="en-US"/>
           </a:p>
@@ -1980,7 +1980,7 @@
           <a:p>
             <a:fld id="{7B2C231C-A4B7-694E-AAA8-A398016C186A}" type="datetimeFigureOut">
               <a:rPr kumimoji="1" lang="ja-JP" altLang="en-US" smtClean="0"/>
-              <a:t>2018/12/17</a:t>
+              <a:t>2018/12/18</a:t>
             </a:fld>
             <a:endParaRPr kumimoji="1" lang="ja-JP" altLang="en-US"/>
           </a:p>
@@ -2121,7 +2121,7 @@
           <a:p>
             <a:fld id="{7B2C231C-A4B7-694E-AAA8-A398016C186A}" type="datetimeFigureOut">
               <a:rPr kumimoji="1" lang="ja-JP" altLang="en-US" smtClean="0"/>
-              <a:t>2018/12/17</a:t>
+              <a:t>2018/12/18</a:t>
             </a:fld>
             <a:endParaRPr kumimoji="1" lang="ja-JP" altLang="en-US"/>
           </a:p>
@@ -2234,7 +2234,7 @@
           <a:p>
             <a:fld id="{7B2C231C-A4B7-694E-AAA8-A398016C186A}" type="datetimeFigureOut">
               <a:rPr kumimoji="1" lang="ja-JP" altLang="en-US" smtClean="0"/>
-              <a:t>2018/12/17</a:t>
+              <a:t>2018/12/18</a:t>
             </a:fld>
             <a:endParaRPr kumimoji="1" lang="ja-JP" altLang="en-US"/>
           </a:p>
@@ -2587,7 +2587,7 @@
           <a:p>
             <a:fld id="{7B2C231C-A4B7-694E-AAA8-A398016C186A}" type="datetimeFigureOut">
               <a:rPr kumimoji="1" lang="ja-JP" altLang="en-US" smtClean="0"/>
-              <a:t>2018/12/17</a:t>
+              <a:t>2018/12/18</a:t>
             </a:fld>
             <a:endParaRPr kumimoji="1" lang="ja-JP" altLang="en-US"/>
           </a:p>
@@ -2910,7 +2910,7 @@
           <a:p>
             <a:fld id="{7B2C231C-A4B7-694E-AAA8-A398016C186A}" type="datetimeFigureOut">
               <a:rPr kumimoji="1" lang="ja-JP" altLang="en-US" smtClean="0"/>
-              <a:t>2018/12/17</a:t>
+              <a:t>2018/12/18</a:t>
             </a:fld>
             <a:endParaRPr kumimoji="1" lang="ja-JP" altLang="en-US"/>
           </a:p>
@@ -3158,7 +3158,7 @@
           <a:p>
             <a:fld id="{7B2C231C-A4B7-694E-AAA8-A398016C186A}" type="datetimeFigureOut">
               <a:rPr kumimoji="1" lang="ja-JP" altLang="en-US" smtClean="0"/>
-              <a:t>2018/12/17</a:t>
+              <a:t>2018/12/18</a:t>
             </a:fld>
             <a:endParaRPr kumimoji="1" lang="ja-JP" altLang="en-US"/>
           </a:p>
@@ -3649,10 +3649,10 @@
       </p:sp>
       <p:pic>
         <p:nvPicPr>
-          <p:cNvPr id="12" name="図 11">
-            <a:extLst>
-              <a:ext uri="{FF2B5EF4-FFF2-40B4-BE49-F238E27FC236}">
-                <a16:creationId xmlns:a16="http://schemas.microsoft.com/office/drawing/2014/main" id="{06EF5D73-BE7C-4C1C-B131-336775AE19BC}"/>
+          <p:cNvPr id="2" name="図 1">
+            <a:extLst>
+              <a:ext uri="{FF2B5EF4-FFF2-40B4-BE49-F238E27FC236}">
+                <a16:creationId xmlns:a16="http://schemas.microsoft.com/office/drawing/2014/main" id="{C2B1C3C8-7B0A-41B2-BC7D-BF49D537D1A1}"/>
               </a:ext>
             </a:extLst>
           </p:cNvPr>
@@ -3669,7 +3669,7 @@
         </p:blipFill>
         <p:spPr>
           <a:xfrm>
-            <a:off x="816540" y="1686645"/>
+            <a:off x="655666" y="1672474"/>
             <a:ext cx="4688740" cy="3513051"/>
           </a:xfrm>
           <a:prstGeom prst="rect">
@@ -3679,10 +3679,10 @@
       </p:pic>
       <p:pic>
         <p:nvPicPr>
-          <p:cNvPr id="2" name="図 1">
-            <a:extLst>
-              <a:ext uri="{FF2B5EF4-FFF2-40B4-BE49-F238E27FC236}">
-                <a16:creationId xmlns:a16="http://schemas.microsoft.com/office/drawing/2014/main" id="{3C3A1B7F-CA93-4A9B-821A-12B850C7B017}"/>
+          <p:cNvPr id="5" name="図 4">
+            <a:extLst>
+              <a:ext uri="{FF2B5EF4-FFF2-40B4-BE49-F238E27FC236}">
+                <a16:creationId xmlns:a16="http://schemas.microsoft.com/office/drawing/2014/main" id="{4009E6A8-2F63-42D7-912E-2EF06E4920C1}"/>
               </a:ext>
             </a:extLst>
           </p:cNvPr>
@@ -3699,7 +3699,7 @@
         </p:blipFill>
         <p:spPr>
           <a:xfrm>
-            <a:off x="6096000" y="1686645"/>
+            <a:off x="5505280" y="1672474"/>
             <a:ext cx="4585054" cy="3513051"/>
           </a:xfrm>
           <a:prstGeom prst="rect">
